--- a/node/lesson-85-lusca/lusca.pptx
+++ b/node/lesson-85-lusca/lusca.pptx
@@ -28,7 +28,7 @@
   <p:sldSz cx="9144000" cy="6858000" type="screen4x3"/>
   <p:notesSz cx="6858000" cy="9144000"/>
   <p:custDataLst>
-    <p:tags r:id="rId18"/>
+    <p:tags r:id="rId17"/>
   </p:custDataLst>
   <p:defaultTextStyle>
     <a:defPPr>
@@ -1058,7 +1058,7 @@
   <p:timing>
     <p:tnLst>
       <p:par>
-        <p:cTn xmlns:p14="http://schemas.microsoft.com/office/powerpoint/2010/main" id="1" dur="indefinite" restart="never" nodeType="tmRoot"/>
+        <p:cTn id="1" dur="indefinite" restart="never" nodeType="tmRoot"/>
       </p:par>
     </p:tnLst>
   </p:timing>
@@ -1113,7 +1113,7 @@
           </a:prstGeom>
           <a:noFill/>
           <a:extLst>
-            <a:ext uri="{909E8E84-426E-40dd-AFC4-6F175D3DCCD1}">
+            <a:ext uri="{909E8E84-426E-40DD-AFC4-6F175D3DCCD1}">
               <a14:hiddenFill xmlns:a14="http://schemas.microsoft.com/office/drawing/2010/main">
                 <a:solidFill>
                   <a:srgbClr val="FFFFFF"/>
@@ -1269,7 +1269,7 @@
   <p:timing>
     <p:tnLst>
       <p:par>
-        <p:cTn xmlns:p14="http://schemas.microsoft.com/office/powerpoint/2010/main" id="1" dur="indefinite" restart="never" nodeType="tmRoot"/>
+        <p:cTn id="1" dur="indefinite" restart="never" nodeType="tmRoot"/>
       </p:par>
     </p:tnLst>
   </p:timing>
@@ -1724,7 +1724,7 @@
   <p:timing>
     <p:tnLst>
       <p:par>
-        <p:cTn xmlns:p14="http://schemas.microsoft.com/office/powerpoint/2010/main" id="1" dur="indefinite" restart="never" nodeType="tmRoot"/>
+        <p:cTn id="1" dur="indefinite" restart="never" nodeType="tmRoot"/>
       </p:par>
     </p:tnLst>
   </p:timing>
@@ -2064,7 +2064,7 @@
   <p:timing>
     <p:tnLst>
       <p:par>
-        <p:cTn xmlns:p14="http://schemas.microsoft.com/office/powerpoint/2010/main" id="1" dur="indefinite" restart="never" nodeType="tmRoot"/>
+        <p:cTn id="1" dur="indefinite" restart="never" nodeType="tmRoot"/>
       </p:par>
     </p:tnLst>
   </p:timing>
@@ -2552,7 +2552,7 @@
   <p:timing>
     <p:tnLst>
       <p:par>
-        <p:cTn xmlns:p14="http://schemas.microsoft.com/office/powerpoint/2010/main" id="1" dur="indefinite" restart="never" nodeType="tmRoot"/>
+        <p:cTn id="1" dur="indefinite" restart="never" nodeType="tmRoot"/>
       </p:par>
     </p:tnLst>
   </p:timing>
@@ -3072,7 +3072,7 @@
   <p:timing>
     <p:tnLst>
       <p:par>
-        <p:cTn xmlns:p14="http://schemas.microsoft.com/office/powerpoint/2010/main" id="1" dur="indefinite" restart="never" nodeType="tmRoot"/>
+        <p:cTn id="1" dur="indefinite" restart="never" nodeType="tmRoot"/>
       </p:par>
     </p:tnLst>
   </p:timing>
@@ -4567,7 +4567,7 @@
   <p:timing>
     <p:tnLst>
       <p:par>
-        <p:cTn xmlns:p14="http://schemas.microsoft.com/office/powerpoint/2010/main" id="1" dur="indefinite" restart="never" nodeType="tmRoot">
+        <p:cTn id="1" dur="indefinite" restart="never" nodeType="tmRoot">
           <p:childTnLst>
             <p:seq concurrent="1" nextAc="seek">
               <p:cTn id="2" dur="indefinite" nodeType="mainSeq">
@@ -5505,13 +5505,13 @@
         </p:nvSpPr>
         <p:spPr bwMode="auto">
           <a:xfrm>
-            <a:off x="6003795" y="3025721"/>
-            <a:ext cx="2145947" cy="707886"/>
+            <a:off x="5562600" y="3025721"/>
+            <a:ext cx="2819399" cy="707886"/>
           </a:xfrm>
           <a:prstGeom prst="wedgeRectCallout">
             <a:avLst>
-              <a:gd name="adj1" fmla="val -140185"/>
-              <a:gd name="adj2" fmla="val 15549"/>
+              <a:gd name="adj1" fmla="val -146332"/>
+              <a:gd name="adj2" fmla="val -62738"/>
             </a:avLst>
           </a:prstGeom>
           <a:ln>
@@ -5656,7 +5656,7 @@
   <p:timing>
     <p:tnLst>
       <p:par>
-        <p:cTn xmlns:p14="http://schemas.microsoft.com/office/powerpoint/2010/main" id="1" dur="indefinite" restart="never" nodeType="tmRoot"/>
+        <p:cTn id="1" dur="indefinite" restart="never" nodeType="tmRoot"/>
       </p:par>
     </p:tnLst>
   </p:timing>
@@ -5986,7 +5986,7 @@
   <p:timing>
     <p:tnLst>
       <p:par>
-        <p:cTn xmlns:p14="http://schemas.microsoft.com/office/powerpoint/2010/main" id="1" dur="indefinite" restart="never" nodeType="tmRoot"/>
+        <p:cTn id="1" dur="indefinite" restart="never" nodeType="tmRoot"/>
       </p:par>
     </p:tnLst>
   </p:timing>
@@ -6918,14 +6918,7 @@
                 <a:latin typeface="Monaco"/>
                 <a:cs typeface="Monaco"/>
               </a:rPr>
-              <a:t>ALLOW-FROM https://</a:t>
-            </a:r>
-            <a:r>
-              <a:rPr lang="en-US" sz="1600" dirty="0">
-                <a:latin typeface="Monaco"/>
-                <a:cs typeface="Monaco"/>
-              </a:rPr>
-              <a:t>facebook.com</a:t>
+              <a:t>ALLOW-FROM https://facebook.com</a:t>
             </a:r>
             <a:endParaRPr lang="en-US" sz="1600" dirty="0">
               <a:latin typeface="Monaco"/>
